--- a/01 Exercise 1 - Smells/Architecture_Workshop_Exercise_1_Smells.pptx
+++ b/01 Exercise 1 - Smells/Architecture_Workshop_Exercise_1_Smells.pptx
@@ -229,7 +229,7 @@
           <a:p>
             <a:fld id="{14BAE693-6910-45CC-A0F0-E7002C65F0F7}" type="datetimeFigureOut">
               <a:rPr lang="en-GB" smtClean="0"/>
-              <a:t>21/05/2018</a:t>
+              <a:t>02/06/2018</a:t>
             </a:fld>
             <a:endParaRPr lang="en-GB"/>
           </a:p>
@@ -1349,7 +1349,7 @@
             <a:fld id="{1D8BD707-D9CF-40AE-B4C6-C98DA3205C09}" type="datetimeFigureOut">
               <a:rPr lang="en-US" smtClean="0"/>
               <a:pPr/>
-              <a:t>5/21/18</a:t>
+              <a:t>6/2/18</a:t>
             </a:fld>
             <a:endParaRPr lang="en-US"/>
           </a:p>
@@ -1514,7 +1514,7 @@
             <a:fld id="{1D8BD707-D9CF-40AE-B4C6-C98DA3205C09}" type="datetimeFigureOut">
               <a:rPr lang="en-US" smtClean="0"/>
               <a:pPr/>
-              <a:t>5/21/18</a:t>
+              <a:t>6/2/18</a:t>
             </a:fld>
             <a:endParaRPr lang="en-US"/>
           </a:p>
@@ -1689,7 +1689,7 @@
             <a:fld id="{1D8BD707-D9CF-40AE-B4C6-C98DA3205C09}" type="datetimeFigureOut">
               <a:rPr lang="en-US" smtClean="0"/>
               <a:pPr/>
-              <a:t>5/21/18</a:t>
+              <a:t>6/2/18</a:t>
             </a:fld>
             <a:endParaRPr lang="en-US"/>
           </a:p>
@@ -1854,7 +1854,7 @@
             <a:fld id="{1D8BD707-D9CF-40AE-B4C6-C98DA3205C09}" type="datetimeFigureOut">
               <a:rPr lang="en-US" smtClean="0"/>
               <a:pPr/>
-              <a:t>5/21/18</a:t>
+              <a:t>6/2/18</a:t>
             </a:fld>
             <a:endParaRPr lang="en-US"/>
           </a:p>
@@ -2096,7 +2096,7 @@
             <a:fld id="{1D8BD707-D9CF-40AE-B4C6-C98DA3205C09}" type="datetimeFigureOut">
               <a:rPr lang="en-US" smtClean="0"/>
               <a:pPr/>
-              <a:t>5/21/18</a:t>
+              <a:t>6/2/18</a:t>
             </a:fld>
             <a:endParaRPr lang="en-US"/>
           </a:p>
@@ -2378,7 +2378,7 @@
             <a:fld id="{1D8BD707-D9CF-40AE-B4C6-C98DA3205C09}" type="datetimeFigureOut">
               <a:rPr lang="en-US" smtClean="0"/>
               <a:pPr/>
-              <a:t>5/21/18</a:t>
+              <a:t>6/2/18</a:t>
             </a:fld>
             <a:endParaRPr lang="en-US"/>
           </a:p>
@@ -2794,7 +2794,7 @@
             <a:fld id="{1D8BD707-D9CF-40AE-B4C6-C98DA3205C09}" type="datetimeFigureOut">
               <a:rPr lang="en-US" smtClean="0"/>
               <a:pPr/>
-              <a:t>5/21/18</a:t>
+              <a:t>6/2/18</a:t>
             </a:fld>
             <a:endParaRPr lang="en-US"/>
           </a:p>
@@ -2908,7 +2908,7 @@
             <a:fld id="{1D8BD707-D9CF-40AE-B4C6-C98DA3205C09}" type="datetimeFigureOut">
               <a:rPr lang="en-US" smtClean="0"/>
               <a:pPr/>
-              <a:t>5/21/18</a:t>
+              <a:t>6/2/18</a:t>
             </a:fld>
             <a:endParaRPr lang="en-US"/>
           </a:p>
@@ -3000,7 +3000,7 @@
             <a:fld id="{1D8BD707-D9CF-40AE-B4C6-C98DA3205C09}" type="datetimeFigureOut">
               <a:rPr lang="en-US" smtClean="0"/>
               <a:pPr/>
-              <a:t>5/21/18</a:t>
+              <a:t>6/2/18</a:t>
             </a:fld>
             <a:endParaRPr lang="en-US"/>
           </a:p>
@@ -3272,7 +3272,7 @@
             <a:fld id="{1D8BD707-D9CF-40AE-B4C6-C98DA3205C09}" type="datetimeFigureOut">
               <a:rPr lang="en-US" smtClean="0"/>
               <a:pPr/>
-              <a:t>5/21/18</a:t>
+              <a:t>6/2/18</a:t>
             </a:fld>
             <a:endParaRPr lang="en-US"/>
           </a:p>
@@ -3521,7 +3521,7 @@
             <a:fld id="{1D8BD707-D9CF-40AE-B4C6-C98DA3205C09}" type="datetimeFigureOut">
               <a:rPr lang="en-US" smtClean="0"/>
               <a:pPr/>
-              <a:t>5/21/18</a:t>
+              <a:t>6/2/18</a:t>
             </a:fld>
             <a:endParaRPr lang="en-US"/>
           </a:p>
@@ -3735,7 +3735,7 @@
             <a:fld id="{1D8BD707-D9CF-40AE-B4C6-C98DA3205C09}" type="datetimeFigureOut">
               <a:rPr lang="en-US" smtClean="0"/>
               <a:pPr/>
-              <a:t>5/21/18</a:t>
+              <a:t>6/2/18</a:t>
             </a:fld>
             <a:endParaRPr lang="en-US"/>
           </a:p>
@@ -4543,6 +4543,134 @@
       </p:transition>
     </mc:Fallback>
   </mc:AlternateContent>
+  <p:timing>
+    <p:tnLst>
+      <p:par>
+        <p:cTn id="1" dur="indefinite" restart="never" nodeType="tmRoot">
+          <p:childTnLst>
+            <p:seq concurrent="1" nextAc="seek">
+              <p:cTn id="2" dur="indefinite" nodeType="mainSeq">
+                <p:childTnLst>
+                  <p:par>
+                    <p:cTn id="3" fill="hold">
+                      <p:stCondLst>
+                        <p:cond delay="indefinite"/>
+                      </p:stCondLst>
+                      <p:childTnLst>
+                        <p:par>
+                          <p:cTn id="4" fill="hold">
+                            <p:stCondLst>
+                              <p:cond delay="0"/>
+                            </p:stCondLst>
+                            <p:childTnLst>
+                              <p:par>
+                                <p:cTn id="5" presetID="1" presetClass="entr" presetSubtype="0" fill="hold" nodeType="clickEffect">
+                                  <p:stCondLst>
+                                    <p:cond delay="0"/>
+                                  </p:stCondLst>
+                                  <p:childTnLst>
+                                    <p:set>
+                                      <p:cBhvr>
+                                        <p:cTn id="6" dur="1" fill="hold">
+                                          <p:stCondLst>
+                                            <p:cond delay="0"/>
+                                          </p:stCondLst>
+                                        </p:cTn>
+                                        <p:tgtEl>
+                                          <p:spTgt spid="3">
+                                            <p:txEl>
+                                              <p:pRg st="2" end="2"/>
+                                            </p:txEl>
+                                          </p:spTgt>
+                                        </p:tgtEl>
+                                        <p:attrNameLst>
+                                          <p:attrName>style.visibility</p:attrName>
+                                        </p:attrNameLst>
+                                      </p:cBhvr>
+                                      <p:to>
+                                        <p:strVal val="visible"/>
+                                      </p:to>
+                                    </p:set>
+                                  </p:childTnLst>
+                                </p:cTn>
+                              </p:par>
+                            </p:childTnLst>
+                          </p:cTn>
+                        </p:par>
+                      </p:childTnLst>
+                    </p:cTn>
+                  </p:par>
+                  <p:par>
+                    <p:cTn id="7" fill="hold">
+                      <p:stCondLst>
+                        <p:cond delay="indefinite"/>
+                      </p:stCondLst>
+                      <p:childTnLst>
+                        <p:par>
+                          <p:cTn id="8" fill="hold">
+                            <p:stCondLst>
+                              <p:cond delay="0"/>
+                            </p:stCondLst>
+                            <p:childTnLst>
+                              <p:par>
+                                <p:cTn id="9" presetID="1" presetClass="entr" presetSubtype="0" fill="hold" nodeType="clickEffect">
+                                  <p:stCondLst>
+                                    <p:cond delay="0"/>
+                                  </p:stCondLst>
+                                  <p:childTnLst>
+                                    <p:set>
+                                      <p:cBhvr>
+                                        <p:cTn id="10" dur="1" fill="hold">
+                                          <p:stCondLst>
+                                            <p:cond delay="0"/>
+                                          </p:stCondLst>
+                                        </p:cTn>
+                                        <p:tgtEl>
+                                          <p:spTgt spid="3">
+                                            <p:txEl>
+                                              <p:pRg st="3" end="3"/>
+                                            </p:txEl>
+                                          </p:spTgt>
+                                        </p:tgtEl>
+                                        <p:attrNameLst>
+                                          <p:attrName>style.visibility</p:attrName>
+                                        </p:attrNameLst>
+                                      </p:cBhvr>
+                                      <p:to>
+                                        <p:strVal val="visible"/>
+                                      </p:to>
+                                    </p:set>
+                                  </p:childTnLst>
+                                </p:cTn>
+                              </p:par>
+                            </p:childTnLst>
+                          </p:cTn>
+                        </p:par>
+                      </p:childTnLst>
+                    </p:cTn>
+                  </p:par>
+                </p:childTnLst>
+              </p:cTn>
+              <p:prevCondLst>
+                <p:cond evt="onPrev" delay="0">
+                  <p:tgtEl>
+                    <p:sldTgt/>
+                  </p:tgtEl>
+                </p:cond>
+              </p:prevCondLst>
+              <p:nextCondLst>
+                <p:cond evt="onNext" delay="0">
+                  <p:tgtEl>
+                    <p:sldTgt/>
+                  </p:tgtEl>
+                </p:cond>
+              </p:nextCondLst>
+            </p:seq>
+          </p:childTnLst>
+        </p:cTn>
+      </p:par>
+    </p:tnLst>
+  </p:timing>
 </p:sld>
 </file>
 
@@ -4616,8 +4744,8 @@
         </p:nvSpPr>
         <p:spPr>
           <a:xfrm>
-            <a:off x="316523" y="1505560"/>
-            <a:ext cx="5486400" cy="2392363"/>
+            <a:off x="304800" y="1219200"/>
+            <a:ext cx="5703277" cy="2392363"/>
           </a:xfrm>
         </p:spPr>
         <p:txBody>
@@ -4630,7 +4758,7 @@
               <a:buNone/>
             </a:pPr>
             <a:r>
-              <a:rPr lang="en-US" sz="4000" dirty="0">
+              <a:rPr lang="en-US" sz="3600" dirty="0">
                 <a:solidFill>
                   <a:schemeClr val="bg1"/>
                 </a:solidFill>
@@ -4641,7 +4769,7 @@
           </a:p>
           <a:p>
             <a:r>
-              <a:rPr lang="en-US" sz="4000" dirty="0">
+              <a:rPr lang="en-US" sz="3600" dirty="0">
                 <a:solidFill>
                   <a:schemeClr val="bg1"/>
                 </a:solidFill>
@@ -4652,7 +4780,7 @@
           </a:p>
           <a:p>
             <a:r>
-              <a:rPr lang="en-US" sz="4000" dirty="0">
+              <a:rPr lang="en-US" sz="3600" dirty="0">
                 <a:solidFill>
                   <a:schemeClr val="bg1"/>
                 </a:solidFill>
@@ -4663,7 +4791,7 @@
           </a:p>
           <a:p>
             <a:r>
-              <a:rPr lang="en-US" sz="4000" dirty="0">
+              <a:rPr lang="en-US" sz="3600" dirty="0">
                 <a:solidFill>
                   <a:schemeClr val="bg1"/>
                 </a:solidFill>
@@ -4674,13 +4802,24 @@
           </a:p>
           <a:p>
             <a:r>
-              <a:rPr lang="en-US" sz="4000" dirty="0">
+              <a:rPr lang="en-US" sz="3600" dirty="0">
                 <a:solidFill>
                   <a:schemeClr val="bg1"/>
                 </a:solidFill>
                 <a:latin typeface="Courier" pitchFamily="2" charset="0"/>
               </a:rPr>
               <a:t>Observability</a:t>
+            </a:r>
+          </a:p>
+          <a:p>
+            <a:r>
+              <a:rPr lang="en-US" sz="3600" dirty="0">
+                <a:solidFill>
+                  <a:schemeClr val="bg1"/>
+                </a:solidFill>
+                <a:latin typeface="Courier" pitchFamily="2" charset="0"/>
+              </a:rPr>
+              <a:t>Handout - Important! Ask questions</a:t>
             </a:r>
           </a:p>
         </p:txBody>
@@ -4737,6 +4876,281 @@
       </p:transition>
     </mc:Fallback>
   </mc:AlternateContent>
+  <p:timing>
+    <p:tnLst>
+      <p:par>
+        <p:cTn id="1" dur="indefinite" restart="never" nodeType="tmRoot">
+          <p:childTnLst>
+            <p:seq concurrent="1" nextAc="seek">
+              <p:cTn id="2" dur="indefinite" nodeType="mainSeq">
+                <p:childTnLst>
+                  <p:par>
+                    <p:cTn id="3" fill="hold">
+                      <p:stCondLst>
+                        <p:cond delay="indefinite"/>
+                      </p:stCondLst>
+                      <p:childTnLst>
+                        <p:par>
+                          <p:cTn id="4" fill="hold">
+                            <p:stCondLst>
+                              <p:cond delay="0"/>
+                            </p:stCondLst>
+                            <p:childTnLst>
+                              <p:par>
+                                <p:cTn id="5" presetID="1" presetClass="entr" presetSubtype="0" fill="hold" nodeType="clickEffect">
+                                  <p:stCondLst>
+                                    <p:cond delay="0"/>
+                                  </p:stCondLst>
+                                  <p:childTnLst>
+                                    <p:set>
+                                      <p:cBhvr>
+                                        <p:cTn id="6" dur="1" fill="hold">
+                                          <p:stCondLst>
+                                            <p:cond delay="0"/>
+                                          </p:stCondLst>
+                                        </p:cTn>
+                                        <p:tgtEl>
+                                          <p:spTgt spid="4">
+                                            <p:txEl>
+                                              <p:pRg st="1" end="1"/>
+                                            </p:txEl>
+                                          </p:spTgt>
+                                        </p:tgtEl>
+                                        <p:attrNameLst>
+                                          <p:attrName>style.visibility</p:attrName>
+                                        </p:attrNameLst>
+                                      </p:cBhvr>
+                                      <p:to>
+                                        <p:strVal val="visible"/>
+                                      </p:to>
+                                    </p:set>
+                                  </p:childTnLst>
+                                </p:cTn>
+                              </p:par>
+                            </p:childTnLst>
+                          </p:cTn>
+                        </p:par>
+                      </p:childTnLst>
+                    </p:cTn>
+                  </p:par>
+                  <p:par>
+                    <p:cTn id="7" fill="hold">
+                      <p:stCondLst>
+                        <p:cond delay="indefinite"/>
+                      </p:stCondLst>
+                      <p:childTnLst>
+                        <p:par>
+                          <p:cTn id="8" fill="hold">
+                            <p:stCondLst>
+                              <p:cond delay="0"/>
+                            </p:stCondLst>
+                            <p:childTnLst>
+                              <p:par>
+                                <p:cTn id="9" presetID="1" presetClass="entr" presetSubtype="0" fill="hold" nodeType="clickEffect">
+                                  <p:stCondLst>
+                                    <p:cond delay="0"/>
+                                  </p:stCondLst>
+                                  <p:childTnLst>
+                                    <p:set>
+                                      <p:cBhvr>
+                                        <p:cTn id="10" dur="1" fill="hold">
+                                          <p:stCondLst>
+                                            <p:cond delay="0"/>
+                                          </p:stCondLst>
+                                        </p:cTn>
+                                        <p:tgtEl>
+                                          <p:spTgt spid="4">
+                                            <p:txEl>
+                                              <p:pRg st="2" end="2"/>
+                                            </p:txEl>
+                                          </p:spTgt>
+                                        </p:tgtEl>
+                                        <p:attrNameLst>
+                                          <p:attrName>style.visibility</p:attrName>
+                                        </p:attrNameLst>
+                                      </p:cBhvr>
+                                      <p:to>
+                                        <p:strVal val="visible"/>
+                                      </p:to>
+                                    </p:set>
+                                  </p:childTnLst>
+                                </p:cTn>
+                              </p:par>
+                            </p:childTnLst>
+                          </p:cTn>
+                        </p:par>
+                      </p:childTnLst>
+                    </p:cTn>
+                  </p:par>
+                  <p:par>
+                    <p:cTn id="11" fill="hold">
+                      <p:stCondLst>
+                        <p:cond delay="indefinite"/>
+                      </p:stCondLst>
+                      <p:childTnLst>
+                        <p:par>
+                          <p:cTn id="12" fill="hold">
+                            <p:stCondLst>
+                              <p:cond delay="0"/>
+                            </p:stCondLst>
+                            <p:childTnLst>
+                              <p:par>
+                                <p:cTn id="13" presetID="1" presetClass="entr" presetSubtype="0" fill="hold" nodeType="clickEffect">
+                                  <p:stCondLst>
+                                    <p:cond delay="0"/>
+                                  </p:stCondLst>
+                                  <p:childTnLst>
+                                    <p:set>
+                                      <p:cBhvr>
+                                        <p:cTn id="14" dur="1" fill="hold">
+                                          <p:stCondLst>
+                                            <p:cond delay="0"/>
+                                          </p:stCondLst>
+                                        </p:cTn>
+                                        <p:tgtEl>
+                                          <p:spTgt spid="4">
+                                            <p:txEl>
+                                              <p:pRg st="3" end="3"/>
+                                            </p:txEl>
+                                          </p:spTgt>
+                                        </p:tgtEl>
+                                        <p:attrNameLst>
+                                          <p:attrName>style.visibility</p:attrName>
+                                        </p:attrNameLst>
+                                      </p:cBhvr>
+                                      <p:to>
+                                        <p:strVal val="visible"/>
+                                      </p:to>
+                                    </p:set>
+                                  </p:childTnLst>
+                                </p:cTn>
+                              </p:par>
+                            </p:childTnLst>
+                          </p:cTn>
+                        </p:par>
+                      </p:childTnLst>
+                    </p:cTn>
+                  </p:par>
+                  <p:par>
+                    <p:cTn id="15" fill="hold">
+                      <p:stCondLst>
+                        <p:cond delay="indefinite"/>
+                      </p:stCondLst>
+                      <p:childTnLst>
+                        <p:par>
+                          <p:cTn id="16" fill="hold">
+                            <p:stCondLst>
+                              <p:cond delay="0"/>
+                            </p:stCondLst>
+                            <p:childTnLst>
+                              <p:par>
+                                <p:cTn id="17" presetID="1" presetClass="entr" presetSubtype="0" fill="hold" nodeType="clickEffect">
+                                  <p:stCondLst>
+                                    <p:cond delay="0"/>
+                                  </p:stCondLst>
+                                  <p:childTnLst>
+                                    <p:set>
+                                      <p:cBhvr>
+                                        <p:cTn id="18" dur="1" fill="hold">
+                                          <p:stCondLst>
+                                            <p:cond delay="0"/>
+                                          </p:stCondLst>
+                                        </p:cTn>
+                                        <p:tgtEl>
+                                          <p:spTgt spid="4">
+                                            <p:txEl>
+                                              <p:pRg st="4" end="4"/>
+                                            </p:txEl>
+                                          </p:spTgt>
+                                        </p:tgtEl>
+                                        <p:attrNameLst>
+                                          <p:attrName>style.visibility</p:attrName>
+                                        </p:attrNameLst>
+                                      </p:cBhvr>
+                                      <p:to>
+                                        <p:strVal val="visible"/>
+                                      </p:to>
+                                    </p:set>
+                                  </p:childTnLst>
+                                </p:cTn>
+                              </p:par>
+                            </p:childTnLst>
+                          </p:cTn>
+                        </p:par>
+                      </p:childTnLst>
+                    </p:cTn>
+                  </p:par>
+                  <p:par>
+                    <p:cTn id="19" fill="hold">
+                      <p:stCondLst>
+                        <p:cond delay="indefinite"/>
+                      </p:stCondLst>
+                      <p:childTnLst>
+                        <p:par>
+                          <p:cTn id="20" fill="hold">
+                            <p:stCondLst>
+                              <p:cond delay="0"/>
+                            </p:stCondLst>
+                            <p:childTnLst>
+                              <p:par>
+                                <p:cTn id="21" presetID="1" presetClass="entr" presetSubtype="0" fill="hold" nodeType="clickEffect">
+                                  <p:stCondLst>
+                                    <p:cond delay="0"/>
+                                  </p:stCondLst>
+                                  <p:childTnLst>
+                                    <p:set>
+                                      <p:cBhvr>
+                                        <p:cTn id="22" dur="1" fill="hold">
+                                          <p:stCondLst>
+                                            <p:cond delay="0"/>
+                                          </p:stCondLst>
+                                        </p:cTn>
+                                        <p:tgtEl>
+                                          <p:spTgt spid="4">
+                                            <p:txEl>
+                                              <p:pRg st="5" end="5"/>
+                                            </p:txEl>
+                                          </p:spTgt>
+                                        </p:tgtEl>
+                                        <p:attrNameLst>
+                                          <p:attrName>style.visibility</p:attrName>
+                                        </p:attrNameLst>
+                                      </p:cBhvr>
+                                      <p:to>
+                                        <p:strVal val="visible"/>
+                                      </p:to>
+                                    </p:set>
+                                  </p:childTnLst>
+                                </p:cTn>
+                              </p:par>
+                            </p:childTnLst>
+                          </p:cTn>
+                        </p:par>
+                      </p:childTnLst>
+                    </p:cTn>
+                  </p:par>
+                </p:childTnLst>
+              </p:cTn>
+              <p:prevCondLst>
+                <p:cond evt="onPrev" delay="0">
+                  <p:tgtEl>
+                    <p:sldTgt/>
+                  </p:tgtEl>
+                </p:cond>
+              </p:prevCondLst>
+              <p:nextCondLst>
+                <p:cond evt="onNext" delay="0">
+                  <p:tgtEl>
+                    <p:sldTgt/>
+                  </p:tgtEl>
+                </p:cond>
+              </p:nextCondLst>
+            </p:seq>
+          </p:childTnLst>
+        </p:cTn>
+      </p:par>
+    </p:tnLst>
+  </p:timing>
 </p:sld>
 </file>
 
@@ -5101,7 +5515,7 @@
                                         <p:tgtEl>
                                           <p:spTgt spid="10">
                                             <p:txEl>
-                                              <p:pRg st="0" end="0"/>
+                                              <p:pRg st="1" end="1"/>
                                             </p:txEl>
                                           </p:spTgt>
                                         </p:tgtEl>
@@ -5150,7 +5564,7 @@
                                         <p:tgtEl>
                                           <p:spTgt spid="10">
                                             <p:txEl>
-                                              <p:pRg st="1" end="1"/>
+                                              <p:pRg st="2" end="2"/>
                                             </p:txEl>
                                           </p:spTgt>
                                         </p:tgtEl>
@@ -5192,55 +5606,6 @@
                                     <p:set>
                                       <p:cBhvr>
                                         <p:cTn id="14" dur="1" fill="hold">
-                                          <p:stCondLst>
-                                            <p:cond delay="0"/>
-                                          </p:stCondLst>
-                                        </p:cTn>
-                                        <p:tgtEl>
-                                          <p:spTgt spid="10">
-                                            <p:txEl>
-                                              <p:pRg st="2" end="2"/>
-                                            </p:txEl>
-                                          </p:spTgt>
-                                        </p:tgtEl>
-                                        <p:attrNameLst>
-                                          <p:attrName>style.visibility</p:attrName>
-                                        </p:attrNameLst>
-                                      </p:cBhvr>
-                                      <p:to>
-                                        <p:strVal val="visible"/>
-                                      </p:to>
-                                    </p:set>
-                                  </p:childTnLst>
-                                </p:cTn>
-                              </p:par>
-                            </p:childTnLst>
-                          </p:cTn>
-                        </p:par>
-                      </p:childTnLst>
-                    </p:cTn>
-                  </p:par>
-                  <p:par>
-                    <p:cTn id="15" fill="hold">
-                      <p:stCondLst>
-                        <p:cond delay="indefinite"/>
-                      </p:stCondLst>
-                      <p:childTnLst>
-                        <p:par>
-                          <p:cTn id="16" fill="hold">
-                            <p:stCondLst>
-                              <p:cond delay="0"/>
-                            </p:stCondLst>
-                            <p:childTnLst>
-                              <p:par>
-                                <p:cTn id="17" presetID="1" presetClass="entr" presetSubtype="0" fill="hold" nodeType="clickEffect">
-                                  <p:stCondLst>
-                                    <p:cond delay="0"/>
-                                  </p:stCondLst>
-                                  <p:childTnLst>
-                                    <p:set>
-                                      <p:cBhvr>
-                                        <p:cTn id="18" dur="1" fill="hold">
                                           <p:stCondLst>
                                             <p:cond delay="0"/>
                                           </p:stCondLst>
@@ -5539,7 +5904,7 @@
                                         <p:tgtEl>
                                           <p:spTgt spid="3">
                                             <p:txEl>
-                                              <p:pRg st="0" end="0"/>
+                                              <p:pRg st="1" end="1"/>
                                             </p:txEl>
                                           </p:spTgt>
                                         </p:tgtEl>
@@ -5588,7 +5953,7 @@
                                         <p:tgtEl>
                                           <p:spTgt spid="3">
                                             <p:txEl>
-                                              <p:pRg st="1" end="1"/>
+                                              <p:pRg st="2" end="2"/>
                                             </p:txEl>
                                           </p:spTgt>
                                         </p:tgtEl>
@@ -5637,7 +6002,7 @@
                                         <p:tgtEl>
                                           <p:spTgt spid="3">
                                             <p:txEl>
-                                              <p:pRg st="2" end="2"/>
+                                              <p:pRg st="3" end="3"/>
                                             </p:txEl>
                                           </p:spTgt>
                                         </p:tgtEl>
@@ -5686,7 +6051,7 @@
                                         <p:tgtEl>
                                           <p:spTgt spid="3">
                                             <p:txEl>
-                                              <p:pRg st="3" end="3"/>
+                                              <p:pRg st="4" end="4"/>
                                             </p:txEl>
                                           </p:spTgt>
                                         </p:tgtEl>
@@ -5728,55 +6093,6 @@
                                     <p:set>
                                       <p:cBhvr>
                                         <p:cTn id="22" dur="1" fill="hold">
-                                          <p:stCondLst>
-                                            <p:cond delay="0"/>
-                                          </p:stCondLst>
-                                        </p:cTn>
-                                        <p:tgtEl>
-                                          <p:spTgt spid="3">
-                                            <p:txEl>
-                                              <p:pRg st="4" end="4"/>
-                                            </p:txEl>
-                                          </p:spTgt>
-                                        </p:tgtEl>
-                                        <p:attrNameLst>
-                                          <p:attrName>style.visibility</p:attrName>
-                                        </p:attrNameLst>
-                                      </p:cBhvr>
-                                      <p:to>
-                                        <p:strVal val="visible"/>
-                                      </p:to>
-                                    </p:set>
-                                  </p:childTnLst>
-                                </p:cTn>
-                              </p:par>
-                            </p:childTnLst>
-                          </p:cTn>
-                        </p:par>
-                      </p:childTnLst>
-                    </p:cTn>
-                  </p:par>
-                  <p:par>
-                    <p:cTn id="23" fill="hold">
-                      <p:stCondLst>
-                        <p:cond delay="indefinite"/>
-                      </p:stCondLst>
-                      <p:childTnLst>
-                        <p:par>
-                          <p:cTn id="24" fill="hold">
-                            <p:stCondLst>
-                              <p:cond delay="0"/>
-                            </p:stCondLst>
-                            <p:childTnLst>
-                              <p:par>
-                                <p:cTn id="25" presetID="1" presetClass="entr" presetSubtype="0" fill="hold" nodeType="clickEffect">
-                                  <p:stCondLst>
-                                    <p:cond delay="0"/>
-                                  </p:stCondLst>
-                                  <p:childTnLst>
-                                    <p:set>
-                                      <p:cBhvr>
-                                        <p:cTn id="26" dur="1" fill="hold">
                                           <p:stCondLst>
                                             <p:cond delay="0"/>
                                           </p:stCondLst>
@@ -6043,7 +6359,7 @@
                                         <p:tgtEl>
                                           <p:spTgt spid="3">
                                             <p:txEl>
-                                              <p:pRg st="0" end="0"/>
+                                              <p:pRg st="1" end="1"/>
                                             </p:txEl>
                                           </p:spTgt>
                                         </p:tgtEl>
@@ -6085,55 +6401,6 @@
                                     <p:set>
                                       <p:cBhvr>
                                         <p:cTn id="10" dur="1" fill="hold">
-                                          <p:stCondLst>
-                                            <p:cond delay="0"/>
-                                          </p:stCondLst>
-                                        </p:cTn>
-                                        <p:tgtEl>
-                                          <p:spTgt spid="3">
-                                            <p:txEl>
-                                              <p:pRg st="1" end="1"/>
-                                            </p:txEl>
-                                          </p:spTgt>
-                                        </p:tgtEl>
-                                        <p:attrNameLst>
-                                          <p:attrName>style.visibility</p:attrName>
-                                        </p:attrNameLst>
-                                      </p:cBhvr>
-                                      <p:to>
-                                        <p:strVal val="visible"/>
-                                      </p:to>
-                                    </p:set>
-                                  </p:childTnLst>
-                                </p:cTn>
-                              </p:par>
-                            </p:childTnLst>
-                          </p:cTn>
-                        </p:par>
-                      </p:childTnLst>
-                    </p:cTn>
-                  </p:par>
-                  <p:par>
-                    <p:cTn id="11" fill="hold">
-                      <p:stCondLst>
-                        <p:cond delay="indefinite"/>
-                      </p:stCondLst>
-                      <p:childTnLst>
-                        <p:par>
-                          <p:cTn id="12" fill="hold">
-                            <p:stCondLst>
-                              <p:cond delay="0"/>
-                            </p:stCondLst>
-                            <p:childTnLst>
-                              <p:par>
-                                <p:cTn id="13" presetID="1" presetClass="entr" presetSubtype="0" fill="hold" nodeType="clickEffect">
-                                  <p:stCondLst>
-                                    <p:cond delay="0"/>
-                                  </p:stCondLst>
-                                  <p:childTnLst>
-                                    <p:set>
-                                      <p:cBhvr>
-                                        <p:cTn id="14" dur="1" fill="hold">
                                           <p:stCondLst>
                                             <p:cond delay="0"/>
                                           </p:stCondLst>
